--- a/Ransomware.pptx
+++ b/Ransomware.pptx
@@ -4926,7 +4926,7 @@
           <a:p>
             <a:fld id="{061C5132-FFA3-4B02-9F09-22FCF40EFA74}" type="datetimeFigureOut">
               <a:rPr lang="en-US" smtClean="0"/>
-              <a:t>10/30/2023</a:t>
+              <a:t>11/3/2023</a:t>
             </a:fld>
             <a:endParaRPr lang="en-US"/>
           </a:p>
@@ -5091,7 +5091,7 @@
           <a:p>
             <a:fld id="{0B6E42C9-243F-4DC5-AFF6-9D56B5FA9D63}" type="datetimeFigureOut">
               <a:rPr lang="en-US" smtClean="0"/>
-              <a:t>10/30/2023</a:t>
+              <a:t>11/3/2023</a:t>
             </a:fld>
             <a:endParaRPr lang="en-US"/>
           </a:p>
@@ -5779,7 +5779,7 @@
           <a:p>
             <a:fld id="{B0FE2824-C2A0-4931-BB32-60B24BDBB3CC}" type="datetimeFigureOut">
               <a:rPr lang="en-US" smtClean="0"/>
-              <a:t>10/30/2023</a:t>
+              <a:t>11/3/2023</a:t>
             </a:fld>
             <a:endParaRPr lang="en-US"/>
           </a:p>
@@ -5974,7 +5974,7 @@
           <a:p>
             <a:fld id="{B0FE2824-C2A0-4931-BB32-60B24BDBB3CC}" type="datetimeFigureOut">
               <a:rPr lang="en-US" smtClean="0"/>
-              <a:t>10/30/2023</a:t>
+              <a:t>11/3/2023</a:t>
             </a:fld>
             <a:endParaRPr lang="en-US"/>
           </a:p>
@@ -6154,7 +6154,7 @@
           <a:p>
             <a:fld id="{B0FE2824-C2A0-4931-BB32-60B24BDBB3CC}" type="datetimeFigureOut">
               <a:rPr lang="en-US" smtClean="0"/>
-              <a:t>10/30/2023</a:t>
+              <a:t>11/3/2023</a:t>
             </a:fld>
             <a:endParaRPr lang="en-US"/>
           </a:p>
@@ -6674,7 +6674,7 @@
           <a:p>
             <a:fld id="{B0FE2824-C2A0-4931-BB32-60B24BDBB3CC}" type="datetimeFigureOut">
               <a:rPr lang="en-US" smtClean="0"/>
-              <a:t>10/30/2023</a:t>
+              <a:t>11/3/2023</a:t>
             </a:fld>
             <a:endParaRPr lang="en-US"/>
           </a:p>
@@ -7116,7 +7116,7 @@
           <a:p>
             <a:fld id="{B0FE2824-C2A0-4931-BB32-60B24BDBB3CC}" type="datetimeFigureOut">
               <a:rPr lang="en-US" smtClean="0"/>
-              <a:t>10/30/2023</a:t>
+              <a:t>11/3/2023</a:t>
             </a:fld>
             <a:endParaRPr lang="en-US"/>
           </a:p>
@@ -7245,7 +7245,7 @@
           <a:p>
             <a:fld id="{B0FE2824-C2A0-4931-BB32-60B24BDBB3CC}" type="datetimeFigureOut">
               <a:rPr lang="en-US" smtClean="0"/>
-              <a:t>10/30/2023</a:t>
+              <a:t>11/3/2023</a:t>
             </a:fld>
             <a:endParaRPr lang="en-US"/>
           </a:p>
@@ -7352,7 +7352,7 @@
           <a:p>
             <a:fld id="{B0FE2824-C2A0-4931-BB32-60B24BDBB3CC}" type="datetimeFigureOut">
               <a:rPr lang="en-US" smtClean="0"/>
-              <a:t>10/30/2023</a:t>
+              <a:t>11/3/2023</a:t>
             </a:fld>
             <a:endParaRPr lang="en-US"/>
           </a:p>
@@ -7648,7 +7648,7 @@
           <a:p>
             <a:fld id="{B0FE2824-C2A0-4931-BB32-60B24BDBB3CC}" type="datetimeFigureOut">
               <a:rPr lang="en-US" smtClean="0"/>
-              <a:t>10/30/2023</a:t>
+              <a:t>11/3/2023</a:t>
             </a:fld>
             <a:endParaRPr lang="en-US"/>
           </a:p>
@@ -7921,7 +7921,7 @@
           <a:p>
             <a:fld id="{B0FE2824-C2A0-4931-BB32-60B24BDBB3CC}" type="datetimeFigureOut">
               <a:rPr lang="en-US" smtClean="0"/>
-              <a:t>10/30/2023</a:t>
+              <a:t>11/3/2023</a:t>
             </a:fld>
             <a:endParaRPr lang="en-US"/>
           </a:p>
@@ -8215,7 +8215,7 @@
             <a:fld id="{B0FE2824-C2A0-4931-BB32-60B24BDBB3CC}" type="datetimeFigureOut">
               <a:rPr lang="en-US" smtClean="0"/>
               <a:pPr/>
-              <a:t>10/30/2023</a:t>
+              <a:t>11/3/2023</a:t>
             </a:fld>
             <a:endParaRPr lang="en-US"/>
           </a:p>
@@ -8753,6 +8753,13 @@
               <a:rPr lang="en-US" dirty="0"/>
               <a:t>Installation</a:t>
             </a:r>
+            <a:br>
+              <a:rPr lang="en-US" dirty="0"/>
+            </a:br>
+            <a:r>
+              <a:rPr lang="en-US" sz="1800" dirty="0"/>
+              <a:t>Malware, RAT …</a:t>
+            </a:r>
           </a:p>
         </p:txBody>
       </p:sp>
@@ -9258,13 +9265,13 @@
   <p:clrMapOvr>
     <a:masterClrMapping/>
   </p:clrMapOvr>
-  <mc:AlternateContent xmlns:mc="http://schemas.openxmlformats.org/markup-compatibility/2006">
-    <mc:Choice xmlns:p14="http://schemas.microsoft.com/office/powerpoint/2010/main" Requires="p14">
+  <mc:AlternateContent xmlns:mc="http://schemas.openxmlformats.org/markup-compatibility/2006" xmlns:p14="http://schemas.microsoft.com/office/powerpoint/2010/main">
+    <mc:Choice Requires="p14">
       <p:transition spd="med" p14:dur="700">
         <p:fade/>
       </p:transition>
     </mc:Choice>
-    <mc:Fallback>
+    <mc:Fallback xmlns="">
       <p:transition spd="med">
         <p:fade/>
       </p:transition>
@@ -9351,16 +9358,6 @@
                   <a:srgbClr val="FFFF00"/>
                 </a:solidFill>
               </a:rPr>
-              <a:t>No Key Sharing</a:t>
-            </a:r>
-          </a:p>
-          <a:p>
-            <a:r>
-              <a:rPr lang="en-US" dirty="0">
-                <a:solidFill>
-                  <a:srgbClr val="FFFF00"/>
-                </a:solidFill>
-              </a:rPr>
               <a:t>Tamper Proof</a:t>
             </a:r>
           </a:p>
@@ -9404,13 +9401,13 @@
   <p:clrMapOvr>
     <a:masterClrMapping/>
   </p:clrMapOvr>
-  <mc:AlternateContent xmlns:mc="http://schemas.openxmlformats.org/markup-compatibility/2006">
-    <mc:Choice xmlns:p14="http://schemas.microsoft.com/office/powerpoint/2010/main" Requires="p14">
+  <mc:AlternateContent xmlns:mc="http://schemas.openxmlformats.org/markup-compatibility/2006" xmlns:p14="http://schemas.microsoft.com/office/powerpoint/2010/main">
+    <mc:Choice Requires="p14">
       <p:transition spd="med" p14:dur="700">
         <p:fade/>
       </p:transition>
     </mc:Choice>
-    <mc:Fallback>
+    <mc:Fallback xmlns="">
       <p:transition spd="med">
         <p:fade/>
       </p:transition>
@@ -9449,16 +9446,25 @@
         <p:spPr>
           <a:xfrm>
             <a:off x="685800" y="3505200"/>
-            <a:ext cx="9601200" cy="1000319"/>
+            <a:ext cx="9601200" cy="1752600"/>
           </a:xfrm>
         </p:spPr>
         <p:txBody>
-          <a:bodyPr/>
+          <a:bodyPr>
+            <a:normAutofit/>
+          </a:bodyPr>
           <a:lstStyle/>
           <a:p>
             <a:r>
               <a:rPr lang="en-US" dirty="0"/>
               <a:t>Program Demo</a:t>
+            </a:r>
+            <a:br>
+              <a:rPr lang="en-US" dirty="0"/>
+            </a:br>
+            <a:r>
+              <a:rPr lang="en-US" sz="2400" dirty="0"/>
+              <a:t>Symmetric Encryption</a:t>
             </a:r>
           </a:p>
         </p:txBody>
@@ -9473,13 +9479,13 @@
   <p:clrMapOvr>
     <a:masterClrMapping/>
   </p:clrMapOvr>
-  <mc:AlternateContent xmlns:mc="http://schemas.openxmlformats.org/markup-compatibility/2006">
-    <mc:Choice xmlns:p14="http://schemas.microsoft.com/office/powerpoint/2010/main" Requires="p14">
+  <mc:AlternateContent xmlns:mc="http://schemas.openxmlformats.org/markup-compatibility/2006" xmlns:p14="http://schemas.microsoft.com/office/powerpoint/2010/main">
+    <mc:Choice Requires="p14">
       <p:transition spd="med" p14:dur="700">
         <p:fade/>
       </p:transition>
     </mc:Choice>
-    <mc:Fallback>
+    <mc:Fallback xmlns="">
       <p:transition spd="med">
         <p:fade/>
       </p:transition>
@@ -9546,11 +9552,13 @@
         <p:spPr>
           <a:xfrm>
             <a:off x="914400" y="4572000"/>
-            <a:ext cx="9601200" cy="475488"/>
+            <a:ext cx="9601200" cy="990600"/>
           </a:xfrm>
         </p:spPr>
         <p:txBody>
-          <a:bodyPr/>
+          <a:bodyPr>
+            <a:normAutofit lnSpcReduction="10000"/>
+          </a:bodyPr>
           <a:lstStyle/>
           <a:p>
             <a:pPr algn="ctr"/>
@@ -9566,6 +9574,30 @@
               <a:rPr lang="en-US" dirty="0"/>
               <a:t>-Inc/ransomware</a:t>
             </a:r>
+          </a:p>
+          <a:p>
+            <a:pPr algn="ctr"/>
+            <a:endParaRPr lang="en-US" dirty="0"/>
+          </a:p>
+          <a:p>
+            <a:pPr algn="ctr"/>
+            <a:r>
+              <a:rPr lang="en-US" dirty="0"/>
+              <a:t>in.linkedin.com/in/</a:t>
+            </a:r>
+            <a:r>
+              <a:rPr lang="en-US" dirty="0" err="1">
+                <a:solidFill>
+                  <a:srgbClr val="002060"/>
+                </a:solidFill>
+              </a:rPr>
+              <a:t>peterwalkera</a:t>
+            </a:r>
+            <a:endParaRPr lang="en-US" dirty="0">
+              <a:solidFill>
+                <a:srgbClr val="002060"/>
+              </a:solidFill>
+            </a:endParaRPr>
           </a:p>
         </p:txBody>
       </p:sp>
@@ -9579,13 +9611,13 @@
   <p:clrMapOvr>
     <a:masterClrMapping/>
   </p:clrMapOvr>
-  <mc:AlternateContent xmlns:mc="http://schemas.openxmlformats.org/markup-compatibility/2006">
-    <mc:Choice xmlns:p14="http://schemas.microsoft.com/office/powerpoint/2010/main" Requires="p14">
+  <mc:AlternateContent xmlns:mc="http://schemas.openxmlformats.org/markup-compatibility/2006" xmlns:p14="http://schemas.microsoft.com/office/powerpoint/2010/main">
+    <mc:Choice Requires="p14">
       <p:transition spd="med" p14:dur="700">
         <p:fade/>
       </p:transition>
     </mc:Choice>
-    <mc:Fallback>
+    <mc:Fallback xmlns="">
       <p:transition spd="med">
         <p:fade/>
       </p:transition>
@@ -9669,6 +9701,12 @@
             <a:r>
               <a:rPr lang="en-US" dirty="0"/>
               <a:t>Demo</a:t>
+            </a:r>
+          </a:p>
+          <a:p>
+            <a:r>
+              <a:rPr lang="en-US" dirty="0"/>
+              <a:t>Questions</a:t>
             </a:r>
           </a:p>
           <a:p>
@@ -10012,12 +10050,28 @@
           </a:xfrm>
         </p:spPr>
         <p:txBody>
-          <a:bodyPr/>
+          <a:bodyPr>
+            <a:normAutofit/>
+          </a:bodyPr>
           <a:lstStyle/>
           <a:p>
             <a:r>
               <a:rPr lang="en-US" dirty="0"/>
               <a:t>Reconnaissance</a:t>
+            </a:r>
+            <a:br>
+              <a:rPr lang="en-US" dirty="0"/>
+            </a:br>
+            <a:r>
+              <a:rPr lang="en-US" sz="2000" dirty="0"/>
+              <a:t>Passive</a:t>
+            </a:r>
+            <a:br>
+              <a:rPr lang="en-US" sz="2000" dirty="0"/>
+            </a:br>
+            <a:r>
+              <a:rPr lang="en-US" sz="2000" dirty="0"/>
+              <a:t>Active</a:t>
             </a:r>
           </a:p>
         </p:txBody>
@@ -10123,6 +10177,13 @@
               <a:rPr lang="en-US" dirty="0"/>
               <a:t>Weaponization</a:t>
             </a:r>
+            <a:br>
+              <a:rPr lang="en-US" dirty="0"/>
+            </a:br>
+            <a:r>
+              <a:rPr lang="en-US" sz="1800" dirty="0"/>
+              <a:t>Payload</a:t>
+            </a:r>
           </a:p>
         </p:txBody>
       </p:sp>
@@ -10227,6 +10288,13 @@
               <a:rPr lang="en-US" dirty="0"/>
               <a:t>Delivery</a:t>
             </a:r>
+            <a:br>
+              <a:rPr lang="en-US" dirty="0"/>
+            </a:br>
+            <a:r>
+              <a:rPr lang="en-US" sz="1800" dirty="0"/>
+              <a:t>Phishing, Packages …</a:t>
+            </a:r>
           </a:p>
         </p:txBody>
       </p:sp>
@@ -10330,6 +10398,13 @@
             <a:r>
               <a:rPr lang="en-US" dirty="0"/>
               <a:t>Exploitation</a:t>
+            </a:r>
+            <a:br>
+              <a:rPr lang="en-US" dirty="0"/>
+            </a:br>
+            <a:r>
+              <a:rPr lang="en-US" sz="1800" dirty="0"/>
+              <a:t>Execute</a:t>
             </a:r>
           </a:p>
         </p:txBody>
